--- a/Share/每周命题游戏设计/葛美玲/归途.pptx
+++ b/Share/每周命题游戏设计/葛美玲/归途.pptx
@@ -5,7 +5,7 @@
     <p:sldMasterId id="2147483648" r:id="rId1"/>
   </p:sldMasterIdLst>
   <p:notesMasterIdLst>
-    <p:notesMasterId r:id="rId13"/>
+    <p:notesMasterId r:id="rId14"/>
   </p:notesMasterIdLst>
   <p:sldIdLst>
     <p:sldId id="261" r:id="rId2"/>
@@ -19,11 +19,12 @@
     <p:sldId id="268" r:id="rId10"/>
     <p:sldId id="269" r:id="rId11"/>
     <p:sldId id="270" r:id="rId12"/>
+    <p:sldId id="271" r:id="rId13"/>
   </p:sldIdLst>
   <p:sldSz cx="12192000" cy="6858000"/>
   <p:notesSz cx="6858000" cy="9144000"/>
   <p:custDataLst>
-    <p:tags r:id="rId14"/>
+    <p:tags r:id="rId15"/>
   </p:custDataLst>
   <p:defaultTextStyle>
     <a:defPPr>
@@ -140,6 +141,7 @@
             <p14:sldId id="268"/>
             <p14:sldId id="269"/>
             <p14:sldId id="270"/>
+            <p14:sldId id="271"/>
           </p14:sldIdLst>
         </p14:section>
       </p14:sectionLst>
@@ -2932,6 +2934,190 @@
     <p:extLst>
       <p:ext uri="{BB962C8B-B14F-4D97-AF65-F5344CB8AC3E}">
         <p14:creationId xmlns:p14="http://schemas.microsoft.com/office/powerpoint/2010/main" val="3995111215"/>
+      </p:ext>
+    </p:extLst>
+  </p:cSld>
+  <p:clrMapOvr>
+    <a:masterClrMapping/>
+  </p:clrMapOvr>
+</p:sld>
+</file>
+
+<file path=ppt/slides/slide12.xml><?xml version="1.0" encoding="utf-8"?>
+<p:sld xmlns:a="http://schemas.openxmlformats.org/drawingml/2006/main" xmlns:r="http://schemas.openxmlformats.org/officeDocument/2006/relationships" xmlns:p="http://schemas.openxmlformats.org/presentationml/2006/main">
+  <p:cSld>
+    <p:spTree>
+      <p:nvGrpSpPr>
+        <p:cNvPr id="1" name=""/>
+        <p:cNvGrpSpPr/>
+        <p:nvPr/>
+      </p:nvGrpSpPr>
+      <p:grpSpPr>
+        <a:xfrm>
+          <a:off x="0" y="0"/>
+          <a:ext cx="0" cy="0"/>
+          <a:chOff x="0" y="0"/>
+          <a:chExt cx="0" cy="0"/>
+        </a:xfrm>
+      </p:grpSpPr>
+      <p:sp>
+        <p:nvSpPr>
+          <p:cNvPr id="10" name="文本框 9">
+            <a:extLst>
+              <a:ext uri="{FF2B5EF4-FFF2-40B4-BE49-F238E27FC236}">
+                <a16:creationId xmlns:a16="http://schemas.microsoft.com/office/drawing/2014/main" id="{E148D256-0C4F-466D-8595-3AEE93042C0B}"/>
+              </a:ext>
+            </a:extLst>
+          </p:cNvPr>
+          <p:cNvSpPr txBox="1"/>
+          <p:nvPr/>
+        </p:nvSpPr>
+        <p:spPr>
+          <a:xfrm>
+            <a:off x="5207001" y="4107818"/>
+            <a:ext cx="1490352" cy="1739707"/>
+          </a:xfrm>
+          <a:prstGeom prst="rect">
+            <a:avLst/>
+          </a:prstGeom>
+          <a:noFill/>
+        </p:spPr>
+        <p:txBody>
+          <a:bodyPr wrap="none" rtlCol="0">
+            <a:prstTxWarp prst="textPlain">
+              <a:avLst/>
+            </a:prstTxWarp>
+            <a:spAutoFit/>
+          </a:bodyPr>
+          <a:lstStyle/>
+          <a:p>
+            <a:r>
+              <a:rPr lang="en-US" altLang="zh-CN" dirty="0">
+                <a:latin typeface="Impact" panose="020B0806030902050204" pitchFamily="34" charset="0"/>
+              </a:rPr>
+              <a:t>10</a:t>
+            </a:r>
+            <a:endParaRPr lang="zh-CN" altLang="en-US" dirty="0">
+              <a:latin typeface="Impact" panose="020B0806030902050204" pitchFamily="34" charset="0"/>
+            </a:endParaRPr>
+          </a:p>
+        </p:txBody>
+      </p:sp>
+      <p:sp>
+        <p:nvSpPr>
+          <p:cNvPr id="9" name="文本框 8">
+            <a:extLst>
+              <a:ext uri="{FF2B5EF4-FFF2-40B4-BE49-F238E27FC236}">
+                <a16:creationId xmlns:a16="http://schemas.microsoft.com/office/drawing/2014/main" id="{AE8CF601-8BCE-4286-9197-92C8B3198B35}"/>
+              </a:ext>
+            </a:extLst>
+          </p:cNvPr>
+          <p:cNvSpPr txBox="1"/>
+          <p:nvPr/>
+        </p:nvSpPr>
+        <p:spPr>
+          <a:xfrm>
+            <a:off x="3666177" y="556260"/>
+            <a:ext cx="4572000" cy="2585323"/>
+          </a:xfrm>
+          <a:prstGeom prst="rect">
+            <a:avLst/>
+          </a:prstGeom>
+          <a:noFill/>
+        </p:spPr>
+        <p:txBody>
+          <a:bodyPr wrap="square" rtlCol="0">
+            <a:spAutoFit/>
+          </a:bodyPr>
+          <a:lstStyle/>
+          <a:p>
+            <a:r>
+              <a:rPr lang="zh-CN" altLang="en-US" dirty="0"/>
+              <a:t>第</a:t>
+            </a:r>
+            <a:r>
+              <a:rPr lang="en-US" altLang="zh-CN" dirty="0"/>
+              <a:t>10</a:t>
+            </a:r>
+            <a:r>
+              <a:rPr lang="zh-CN" altLang="en-US" dirty="0"/>
+              <a:t>幕：</a:t>
+            </a:r>
+            <a:endParaRPr lang="en-US" altLang="zh-CN" dirty="0"/>
+          </a:p>
+          <a:p>
+            <a:r>
+              <a:rPr lang="en-US" altLang="zh-CN" dirty="0"/>
+              <a:t>1.</a:t>
+            </a:r>
+            <a:r>
+              <a:rPr lang="zh-CN" altLang="en-US" dirty="0"/>
+              <a:t>场地：回家的路上</a:t>
+            </a:r>
+            <a:endParaRPr lang="en-US" altLang="zh-CN" dirty="0"/>
+          </a:p>
+          <a:p>
+            <a:r>
+              <a:rPr lang="en-US" altLang="zh-CN" dirty="0"/>
+              <a:t>2.</a:t>
+            </a:r>
+            <a:r>
+              <a:rPr lang="zh-CN" altLang="en-US" dirty="0"/>
+              <a:t>人物：男主</a:t>
+            </a:r>
+            <a:r>
+              <a:rPr lang="en-US" altLang="zh-CN" dirty="0"/>
+              <a:t>,</a:t>
+            </a:r>
+            <a:r>
+              <a:rPr lang="zh-CN" altLang="en-US" dirty="0"/>
+              <a:t>小女孩</a:t>
+            </a:r>
+            <a:r>
+              <a:rPr lang="en-US" altLang="zh-CN" dirty="0"/>
+              <a:t> </a:t>
+            </a:r>
+          </a:p>
+          <a:p>
+            <a:r>
+              <a:rPr lang="en-US" altLang="zh-CN" dirty="0"/>
+              <a:t>3.</a:t>
+            </a:r>
+            <a:r>
+              <a:rPr lang="zh-CN" altLang="en-US"/>
+              <a:t>情节：男主带着小女孩走向回家的路上，越来越接近房子（而不是永远无法靠近），进入房间，游戏结束</a:t>
+            </a:r>
+            <a:endParaRPr lang="en-US" altLang="zh-CN" dirty="0"/>
+          </a:p>
+          <a:p>
+            <a:r>
+              <a:rPr lang="en-US" altLang="zh-CN" dirty="0"/>
+              <a:t>4.</a:t>
+            </a:r>
+            <a:r>
+              <a:rPr lang="zh-CN" altLang="en-US" dirty="0"/>
+              <a:t>行为：向前走</a:t>
+            </a:r>
+            <a:endParaRPr lang="en-US" altLang="zh-CN" dirty="0"/>
+          </a:p>
+          <a:p>
+            <a:r>
+              <a:rPr lang="en-US" altLang="zh-CN" dirty="0"/>
+              <a:t>	 </a:t>
+            </a:r>
+          </a:p>
+          <a:p>
+            <a:r>
+              <a:rPr lang="en-US" altLang="zh-CN" dirty="0"/>
+              <a:t>	</a:t>
+            </a:r>
+          </a:p>
+        </p:txBody>
+      </p:sp>
+    </p:spTree>
+    <p:extLst>
+      <p:ext uri="{BB962C8B-B14F-4D97-AF65-F5344CB8AC3E}">
+        <p14:creationId xmlns:p14="http://schemas.microsoft.com/office/powerpoint/2010/main" val="2539011867"/>
       </p:ext>
     </p:extLst>
   </p:cSld>

--- a/Share/每周命题游戏设计/葛美玲/归途.pptx
+++ b/Share/每周命题游戏设计/葛美玲/归途.pptx
@@ -3617,7 +3617,7 @@
         </p:nvSpPr>
         <p:spPr>
           <a:xfrm>
-            <a:off x="3916680" y="1455420"/>
+            <a:off x="3997363" y="621702"/>
             <a:ext cx="4572000" cy="3139321"/>
           </a:xfrm>
           <a:prstGeom prst="rect">
